--- a/machine_learning/NLU_andres_felipe_muñoz.pptx
+++ b/machine_learning/NLU_andres_felipe_muñoz.pptx
@@ -14,6 +14,8 @@
     <p:sldId id="262" r:id="rId8"/>
     <p:sldId id="263" r:id="rId9"/>
     <p:sldId id="264" r:id="rId10"/>
+    <p:sldId id="265" r:id="rId11"/>
+    <p:sldId id="266" r:id="rId12"/>
   </p:sldIdLst>
   <p:sldSz cx="12192000" cy="6858000"/>
   <p:notesSz cx="6858000" cy="9144000"/>
@@ -131,6 +133,217 @@
 </p:presentation>
 </file>
 
+<file path=ppt/revisionInfo.xml><?xml version="1.0" encoding="utf-8"?>
+<p1510:revInfo xmlns:a="http://schemas.openxmlformats.org/drawingml/2006/main" xmlns:r="http://schemas.openxmlformats.org/officeDocument/2006/relationships" xmlns:p1510="http://schemas.microsoft.com/office/powerpoint/2015/10/main">
+  <p1510:revLst>
+    <p1510:client id="{C20E34F8-1851-437D-A6CC-0DDC56D14FE2}" v="29" dt="2021-02-12T03:33:44.796"/>
+  </p1510:revLst>
+</p1510:revInfo>
+</file>
+
+<file path=ppt/changesInfos/changesInfo1.xml><?xml version="1.0" encoding="utf-8"?>
+<pc:chgInfo xmlns:a="http://schemas.openxmlformats.org/drawingml/2006/main" xmlns:r="http://schemas.openxmlformats.org/officeDocument/2006/relationships" xmlns:ac="http://schemas.microsoft.com/office/drawing/2013/main/command" xmlns:pc="http://schemas.microsoft.com/office/powerpoint/2013/main/command">
+  <pc:docChgLst>
+    <pc:chgData name="pipe muñoz" userId="66c5450c0ecff593" providerId="LiveId" clId="{C20E34F8-1851-437D-A6CC-0DDC56D14FE2}"/>
+    <pc:docChg chg="custSel addSld modSld sldOrd">
+      <pc:chgData name="pipe muñoz" userId="66c5450c0ecff593" providerId="LiveId" clId="{C20E34F8-1851-437D-A6CC-0DDC56D14FE2}" dt="2021-02-12T03:33:44.796" v="405"/>
+      <pc:docMkLst>
+        <pc:docMk/>
+      </pc:docMkLst>
+      <pc:sldChg chg="addSp delSp modSp mod">
+        <pc:chgData name="pipe muñoz" userId="66c5450c0ecff593" providerId="LiveId" clId="{C20E34F8-1851-437D-A6CC-0DDC56D14FE2}" dt="2021-02-12T02:54:20.880" v="326" actId="1076"/>
+        <pc:sldMkLst>
+          <pc:docMk/>
+          <pc:sldMk cId="1410622474" sldId="264"/>
+        </pc:sldMkLst>
+        <pc:spChg chg="add mod">
+          <ac:chgData name="pipe muñoz" userId="66c5450c0ecff593" providerId="LiveId" clId="{C20E34F8-1851-437D-A6CC-0DDC56D14FE2}" dt="2021-02-12T02:54:20.880" v="326" actId="1076"/>
+          <ac:spMkLst>
+            <pc:docMk/>
+            <pc:sldMk cId="1410622474" sldId="264"/>
+            <ac:spMk id="2" creationId="{15F5BB83-F40B-4023-BA7F-F8AEEC6A2785}"/>
+          </ac:spMkLst>
+        </pc:spChg>
+        <pc:spChg chg="add del mod">
+          <ac:chgData name="pipe muñoz" userId="66c5450c0ecff593" providerId="LiveId" clId="{C20E34F8-1851-437D-A6CC-0DDC56D14FE2}" dt="2021-02-12T02:43:10.552" v="46" actId="478"/>
+          <ac:spMkLst>
+            <pc:docMk/>
+            <pc:sldMk cId="1410622474" sldId="264"/>
+            <ac:spMk id="4" creationId="{E243AD8D-A272-4672-880E-0B895E61D603}"/>
+          </ac:spMkLst>
+        </pc:spChg>
+        <pc:spChg chg="add del mod">
+          <ac:chgData name="pipe muñoz" userId="66c5450c0ecff593" providerId="LiveId" clId="{C20E34F8-1851-437D-A6CC-0DDC56D14FE2}" dt="2021-02-12T02:54:02.862" v="325"/>
+          <ac:spMkLst>
+            <pc:docMk/>
+            <pc:sldMk cId="1410622474" sldId="264"/>
+            <ac:spMk id="5" creationId="{CED28850-5525-4BF2-9334-BD58B701F963}"/>
+          </ac:spMkLst>
+        </pc:spChg>
+        <pc:spChg chg="del mod">
+          <ac:chgData name="pipe muñoz" userId="66c5450c0ecff593" providerId="LiveId" clId="{C20E34F8-1851-437D-A6CC-0DDC56D14FE2}" dt="2021-02-12T02:43:06.483" v="44" actId="478"/>
+          <ac:spMkLst>
+            <pc:docMk/>
+            <pc:sldMk cId="1410622474" sldId="264"/>
+            <ac:spMk id="46" creationId="{772197AC-942B-41A6-A2D9-C09F99EF1F0D}"/>
+          </ac:spMkLst>
+        </pc:spChg>
+        <pc:picChg chg="add mod">
+          <ac:chgData name="pipe muñoz" userId="66c5450c0ecff593" providerId="LiveId" clId="{C20E34F8-1851-437D-A6CC-0DDC56D14FE2}" dt="2021-02-12T02:54:02.049" v="323" actId="14100"/>
+          <ac:picMkLst>
+            <pc:docMk/>
+            <pc:sldMk cId="1410622474" sldId="264"/>
+            <ac:picMk id="7" creationId="{62BBA201-13C5-4E20-85F0-A0DF088C576E}"/>
+          </ac:picMkLst>
+        </pc:picChg>
+        <pc:cxnChg chg="add del mod">
+          <ac:chgData name="pipe muñoz" userId="66c5450c0ecff593" providerId="LiveId" clId="{C20E34F8-1851-437D-A6CC-0DDC56D14FE2}" dt="2021-02-12T02:43:08.769" v="45" actId="478"/>
+          <ac:cxnSpMkLst>
+            <pc:docMk/>
+            <pc:sldMk cId="1410622474" sldId="264"/>
+            <ac:cxnSpMk id="3" creationId="{FC0CBF35-CE21-4F04-BFCB-C9EB6B586946}"/>
+          </ac:cxnSpMkLst>
+        </pc:cxnChg>
+      </pc:sldChg>
+      <pc:sldChg chg="addSp delSp modSp add mod ord">
+        <pc:chgData name="pipe muñoz" userId="66c5450c0ecff593" providerId="LiveId" clId="{C20E34F8-1851-437D-A6CC-0DDC56D14FE2}" dt="2021-02-12T03:33:35.332" v="404" actId="207"/>
+        <pc:sldMkLst>
+          <pc:docMk/>
+          <pc:sldMk cId="3041100744" sldId="265"/>
+        </pc:sldMkLst>
+        <pc:spChg chg="add del mod">
+          <ac:chgData name="pipe muñoz" userId="66c5450c0ecff593" providerId="LiveId" clId="{C20E34F8-1851-437D-A6CC-0DDC56D14FE2}" dt="2021-02-12T03:18:46.514" v="350" actId="478"/>
+          <ac:spMkLst>
+            <pc:docMk/>
+            <pc:sldMk cId="3041100744" sldId="265"/>
+            <ac:spMk id="2" creationId="{A8735EEC-BCFA-49CF-B085-CE8AADE626BE}"/>
+          </ac:spMkLst>
+        </pc:spChg>
+        <pc:spChg chg="add del mod">
+          <ac:chgData name="pipe muñoz" userId="66c5450c0ecff593" providerId="LiveId" clId="{C20E34F8-1851-437D-A6CC-0DDC56D14FE2}" dt="2021-02-12T03:18:21.270" v="346" actId="478"/>
+          <ac:spMkLst>
+            <pc:docMk/>
+            <pc:sldMk cId="3041100744" sldId="265"/>
+            <ac:spMk id="3" creationId="{DD60E356-114F-45F4-B06C-2D3202B7C501}"/>
+          </ac:spMkLst>
+        </pc:spChg>
+        <pc:spChg chg="add del mod">
+          <ac:chgData name="pipe muñoz" userId="66c5450c0ecff593" providerId="LiveId" clId="{C20E34F8-1851-437D-A6CC-0DDC56D14FE2}" dt="2021-02-12T03:18:21.270" v="346" actId="478"/>
+          <ac:spMkLst>
+            <pc:docMk/>
+            <pc:sldMk cId="3041100744" sldId="265"/>
+            <ac:spMk id="4" creationId="{CDB81E5D-8ACB-4601-B6CE-B14999B82851}"/>
+          </ac:spMkLst>
+        </pc:spChg>
+        <pc:spChg chg="add del mod">
+          <ac:chgData name="pipe muñoz" userId="66c5450c0ecff593" providerId="LiveId" clId="{C20E34F8-1851-437D-A6CC-0DDC56D14FE2}" dt="2021-02-12T03:19:29.405" v="354" actId="478"/>
+          <ac:spMkLst>
+            <pc:docMk/>
+            <pc:sldMk cId="3041100744" sldId="265"/>
+            <ac:spMk id="5" creationId="{0BA1EA51-16FF-4F6F-A0B2-C65C2E1944E5}"/>
+          </ac:spMkLst>
+        </pc:spChg>
+        <pc:spChg chg="add del mod">
+          <ac:chgData name="pipe muñoz" userId="66c5450c0ecff593" providerId="LiveId" clId="{C20E34F8-1851-437D-A6CC-0DDC56D14FE2}" dt="2021-02-12T03:21:43.446" v="368" actId="478"/>
+          <ac:spMkLst>
+            <pc:docMk/>
+            <pc:sldMk cId="3041100744" sldId="265"/>
+            <ac:spMk id="7" creationId="{3BAD4823-B384-4D23-8A9B-9351FF3B819F}"/>
+          </ac:spMkLst>
+        </pc:spChg>
+        <pc:spChg chg="add del mod">
+          <ac:chgData name="pipe muñoz" userId="66c5450c0ecff593" providerId="LiveId" clId="{C20E34F8-1851-437D-A6CC-0DDC56D14FE2}" dt="2021-02-12T03:30:05.662" v="373"/>
+          <ac:spMkLst>
+            <pc:docMk/>
+            <pc:sldMk cId="3041100744" sldId="265"/>
+            <ac:spMk id="8" creationId="{F86F5D9F-71AA-4405-B095-B5CA3C500F58}"/>
+          </ac:spMkLst>
+        </pc:spChg>
+        <pc:spChg chg="add mod">
+          <ac:chgData name="pipe muñoz" userId="66c5450c0ecff593" providerId="LiveId" clId="{C20E34F8-1851-437D-A6CC-0DDC56D14FE2}" dt="2021-02-12T03:33:35.332" v="404" actId="207"/>
+          <ac:spMkLst>
+            <pc:docMk/>
+            <pc:sldMk cId="3041100744" sldId="265"/>
+            <ac:spMk id="13" creationId="{E69265A6-7019-437A-BC89-9DE87A608D91}"/>
+          </ac:spMkLst>
+        </pc:spChg>
+        <pc:spChg chg="add mod">
+          <ac:chgData name="pipe muñoz" userId="66c5450c0ecff593" providerId="LiveId" clId="{C20E34F8-1851-437D-A6CC-0DDC56D14FE2}" dt="2021-02-12T03:32:30.415" v="388" actId="1076"/>
+          <ac:spMkLst>
+            <pc:docMk/>
+            <pc:sldMk cId="3041100744" sldId="265"/>
+            <ac:spMk id="17" creationId="{13F343D2-8634-4B82-A4A8-5830F53B6CC3}"/>
+          </ac:spMkLst>
+        </pc:spChg>
+        <pc:spChg chg="del">
+          <ac:chgData name="pipe muñoz" userId="66c5450c0ecff593" providerId="LiveId" clId="{C20E34F8-1851-437D-A6CC-0DDC56D14FE2}" dt="2021-02-12T02:54:42.016" v="328" actId="478"/>
+          <ac:spMkLst>
+            <pc:docMk/>
+            <pc:sldMk cId="3041100744" sldId="265"/>
+            <ac:spMk id="46" creationId="{772197AC-942B-41A6-A2D9-C09F99EF1F0D}"/>
+          </ac:spMkLst>
+        </pc:spChg>
+        <pc:graphicFrameChg chg="add del mod modGraphic">
+          <ac:chgData name="pipe muñoz" userId="66c5450c0ecff593" providerId="LiveId" clId="{C20E34F8-1851-437D-A6CC-0DDC56D14FE2}" dt="2021-02-12T03:21:35.909" v="367" actId="478"/>
+          <ac:graphicFrameMkLst>
+            <pc:docMk/>
+            <pc:sldMk cId="3041100744" sldId="265"/>
+            <ac:graphicFrameMk id="6" creationId="{B4137DCC-87E1-4D70-B013-3101DE9A9F73}"/>
+          </ac:graphicFrameMkLst>
+        </pc:graphicFrameChg>
+        <pc:graphicFrameChg chg="add del mod">
+          <ac:chgData name="pipe muñoz" userId="66c5450c0ecff593" providerId="LiveId" clId="{C20E34F8-1851-437D-A6CC-0DDC56D14FE2}" dt="2021-02-12T03:30:05.660" v="371"/>
+          <ac:graphicFrameMkLst>
+            <pc:docMk/>
+            <pc:sldMk cId="3041100744" sldId="265"/>
+            <ac:graphicFrameMk id="10" creationId="{C2ACC0A0-826C-4955-897D-14A99965D442}"/>
+          </ac:graphicFrameMkLst>
+        </pc:graphicFrameChg>
+        <pc:graphicFrameChg chg="add del mod">
+          <ac:chgData name="pipe muñoz" userId="66c5450c0ecff593" providerId="LiveId" clId="{C20E34F8-1851-437D-A6CC-0DDC56D14FE2}" dt="2021-02-12T03:30:40.662" v="375" actId="478"/>
+          <ac:graphicFrameMkLst>
+            <pc:docMk/>
+            <pc:sldMk cId="3041100744" sldId="265"/>
+            <ac:graphicFrameMk id="11" creationId="{5201BCEF-A90D-4329-931C-33DBFBEFCEF9}"/>
+          </ac:graphicFrameMkLst>
+        </pc:graphicFrameChg>
+        <pc:cxnChg chg="del">
+          <ac:chgData name="pipe muñoz" userId="66c5450c0ecff593" providerId="LiveId" clId="{C20E34F8-1851-437D-A6CC-0DDC56D14FE2}" dt="2021-02-12T02:54:44.649" v="329" actId="478"/>
+          <ac:cxnSpMkLst>
+            <pc:docMk/>
+            <pc:sldMk cId="3041100744" sldId="265"/>
+            <ac:cxnSpMk id="9" creationId="{3215D6EA-4428-4CD3-8140-3BC8F79D7FEB}"/>
+          </ac:cxnSpMkLst>
+        </pc:cxnChg>
+      </pc:sldChg>
+      <pc:sldChg chg="addSp modSp add mod">
+        <pc:chgData name="pipe muñoz" userId="66c5450c0ecff593" providerId="LiveId" clId="{C20E34F8-1851-437D-A6CC-0DDC56D14FE2}" dt="2021-02-12T03:33:44.796" v="405"/>
+        <pc:sldMkLst>
+          <pc:docMk/>
+          <pc:sldMk cId="1795333566" sldId="266"/>
+        </pc:sldMkLst>
+        <pc:spChg chg="add mod">
+          <ac:chgData name="pipe muñoz" userId="66c5450c0ecff593" providerId="LiveId" clId="{C20E34F8-1851-437D-A6CC-0DDC56D14FE2}" dt="2021-02-12T03:33:44.796" v="405"/>
+          <ac:spMkLst>
+            <pc:docMk/>
+            <pc:sldMk cId="1795333566" sldId="266"/>
+            <ac:spMk id="6" creationId="{900CD859-DA08-4485-8EC7-1B0E13F0A97A}"/>
+          </ac:spMkLst>
+        </pc:spChg>
+        <pc:spChg chg="mod">
+          <ac:chgData name="pipe muñoz" userId="66c5450c0ecff593" providerId="LiveId" clId="{C20E34F8-1851-437D-A6CC-0DDC56D14FE2}" dt="2021-02-12T03:32:44.543" v="391"/>
+          <ac:spMkLst>
+            <pc:docMk/>
+            <pc:sldMk cId="1795333566" sldId="266"/>
+            <ac:spMk id="17" creationId="{13F343D2-8634-4B82-A4A8-5830F53B6CC3}"/>
+          </ac:spMkLst>
+        </pc:spChg>
+      </pc:sldChg>
+    </pc:docChg>
+  </pc:docChgLst>
+</pc:chgInfo>
+</file>
+
 <file path=ppt/slideLayouts/slideLayout1.xml><?xml version="1.0" encoding="utf-8"?>
 <p:sldLayout xmlns:a="http://schemas.openxmlformats.org/drawingml/2006/main" xmlns:r="http://schemas.openxmlformats.org/officeDocument/2006/relationships" xmlns:p="http://schemas.openxmlformats.org/presentationml/2006/main" type="title" preserve="1">
   <p:cSld name="Diapositiva de título">
@@ -280,7 +493,7 @@
           <a:p>
             <a:fld id="{20442ECA-E895-429F-8AF5-89459F63E4C8}" type="datetimeFigureOut">
               <a:rPr lang="es-CO" smtClean="0"/>
-              <a:t>10/02/2021</a:t>
+              <a:t>11/02/2021</a:t>
             </a:fld>
             <a:endParaRPr lang="es-CO"/>
           </a:p>
@@ -480,7 +693,7 @@
           <a:p>
             <a:fld id="{20442ECA-E895-429F-8AF5-89459F63E4C8}" type="datetimeFigureOut">
               <a:rPr lang="es-CO" smtClean="0"/>
-              <a:t>10/02/2021</a:t>
+              <a:t>11/02/2021</a:t>
             </a:fld>
             <a:endParaRPr lang="es-CO"/>
           </a:p>
@@ -690,7 +903,7 @@
           <a:p>
             <a:fld id="{20442ECA-E895-429F-8AF5-89459F63E4C8}" type="datetimeFigureOut">
               <a:rPr lang="es-CO" smtClean="0"/>
-              <a:t>10/02/2021</a:t>
+              <a:t>11/02/2021</a:t>
             </a:fld>
             <a:endParaRPr lang="es-CO"/>
           </a:p>
@@ -890,7 +1103,7 @@
           <a:p>
             <a:fld id="{20442ECA-E895-429F-8AF5-89459F63E4C8}" type="datetimeFigureOut">
               <a:rPr lang="es-CO" smtClean="0"/>
-              <a:t>10/02/2021</a:t>
+              <a:t>11/02/2021</a:t>
             </a:fld>
             <a:endParaRPr lang="es-CO"/>
           </a:p>
@@ -1166,7 +1379,7 @@
           <a:p>
             <a:fld id="{20442ECA-E895-429F-8AF5-89459F63E4C8}" type="datetimeFigureOut">
               <a:rPr lang="es-CO" smtClean="0"/>
-              <a:t>10/02/2021</a:t>
+              <a:t>11/02/2021</a:t>
             </a:fld>
             <a:endParaRPr lang="es-CO"/>
           </a:p>
@@ -1434,7 +1647,7 @@
           <a:p>
             <a:fld id="{20442ECA-E895-429F-8AF5-89459F63E4C8}" type="datetimeFigureOut">
               <a:rPr lang="es-CO" smtClean="0"/>
-              <a:t>10/02/2021</a:t>
+              <a:t>11/02/2021</a:t>
             </a:fld>
             <a:endParaRPr lang="es-CO"/>
           </a:p>
@@ -1849,7 +2062,7 @@
           <a:p>
             <a:fld id="{20442ECA-E895-429F-8AF5-89459F63E4C8}" type="datetimeFigureOut">
               <a:rPr lang="es-CO" smtClean="0"/>
-              <a:t>10/02/2021</a:t>
+              <a:t>11/02/2021</a:t>
             </a:fld>
             <a:endParaRPr lang="es-CO"/>
           </a:p>
@@ -1991,7 +2204,7 @@
           <a:p>
             <a:fld id="{20442ECA-E895-429F-8AF5-89459F63E4C8}" type="datetimeFigureOut">
               <a:rPr lang="es-CO" smtClean="0"/>
-              <a:t>10/02/2021</a:t>
+              <a:t>11/02/2021</a:t>
             </a:fld>
             <a:endParaRPr lang="es-CO"/>
           </a:p>
@@ -2104,7 +2317,7 @@
           <a:p>
             <a:fld id="{20442ECA-E895-429F-8AF5-89459F63E4C8}" type="datetimeFigureOut">
               <a:rPr lang="es-CO" smtClean="0"/>
-              <a:t>10/02/2021</a:t>
+              <a:t>11/02/2021</a:t>
             </a:fld>
             <a:endParaRPr lang="es-CO"/>
           </a:p>
@@ -2417,7 +2630,7 @@
           <a:p>
             <a:fld id="{20442ECA-E895-429F-8AF5-89459F63E4C8}" type="datetimeFigureOut">
               <a:rPr lang="es-CO" smtClean="0"/>
-              <a:t>10/02/2021</a:t>
+              <a:t>11/02/2021</a:t>
             </a:fld>
             <a:endParaRPr lang="es-CO"/>
           </a:p>
@@ -2706,7 +2919,7 @@
           <a:p>
             <a:fld id="{20442ECA-E895-429F-8AF5-89459F63E4C8}" type="datetimeFigureOut">
               <a:rPr lang="es-CO" smtClean="0"/>
-              <a:t>10/02/2021</a:t>
+              <a:t>11/02/2021</a:t>
             </a:fld>
             <a:endParaRPr lang="es-CO"/>
           </a:p>
@@ -2949,7 +3162,7 @@
           <a:p>
             <a:fld id="{20442ECA-E895-429F-8AF5-89459F63E4C8}" type="datetimeFigureOut">
               <a:rPr lang="es-CO" smtClean="0"/>
-              <a:t>10/02/2021</a:t>
+              <a:t>11/02/2021</a:t>
             </a:fld>
             <a:endParaRPr lang="es-CO"/>
           </a:p>
@@ -4008,6 +4221,980 @@
 </p:sld>
 </file>
 
+<file path=ppt/slides/slide10.xml><?xml version="1.0" encoding="utf-8"?>
+<p:sld xmlns:a="http://schemas.openxmlformats.org/drawingml/2006/main" xmlns:r="http://schemas.openxmlformats.org/officeDocument/2006/relationships" xmlns:p="http://schemas.openxmlformats.org/presentationml/2006/main">
+  <p:cSld>
+    <p:bg>
+      <p:bgPr>
+        <a:blipFill dpi="0" rotWithShape="1">
+          <a:blip r:embed="rId2">
+            <a:lum/>
+          </a:blip>
+          <a:srcRect/>
+          <a:stretch>
+            <a:fillRect/>
+          </a:stretch>
+        </a:blipFill>
+        <a:effectLst/>
+      </p:bgPr>
+    </p:bg>
+    <p:spTree>
+      <p:nvGrpSpPr>
+        <p:cNvPr id="1" name=""/>
+        <p:cNvGrpSpPr/>
+        <p:nvPr/>
+      </p:nvGrpSpPr>
+      <p:grpSpPr>
+        <a:xfrm>
+          <a:off x="0" y="0"/>
+          <a:ext cx="0" cy="0"/>
+          <a:chOff x="0" y="0"/>
+          <a:chExt cx="0" cy="0"/>
+        </a:xfrm>
+      </p:grpSpPr>
+      <p:sp>
+        <p:nvSpPr>
+          <p:cNvPr id="15" name="CuadroTexto 14">
+            <a:extLst>
+              <a:ext uri="{FF2B5EF4-FFF2-40B4-BE49-F238E27FC236}">
+                <a16:creationId xmlns:a16="http://schemas.microsoft.com/office/drawing/2014/main" id="{A0B3D843-80EA-4FE3-9D73-771EB4F72421}"/>
+              </a:ext>
+            </a:extLst>
+          </p:cNvPr>
+          <p:cNvSpPr txBox="1"/>
+          <p:nvPr/>
+        </p:nvSpPr>
+        <p:spPr>
+          <a:xfrm>
+            <a:off x="5486400" y="993913"/>
+            <a:ext cx="184731" cy="369332"/>
+          </a:xfrm>
+          <a:prstGeom prst="rect">
+            <a:avLst/>
+          </a:prstGeom>
+          <a:noFill/>
+        </p:spPr>
+        <p:txBody>
+          <a:bodyPr wrap="none" rtlCol="0">
+            <a:spAutoFit/>
+          </a:bodyPr>
+          <a:lstStyle/>
+          <a:p>
+            <a:endParaRPr lang="es-CO" dirty="0"/>
+          </a:p>
+        </p:txBody>
+      </p:sp>
+      <p:cxnSp>
+        <p:nvCxnSpPr>
+          <p:cNvPr id="25" name="Conector recto 24">
+            <a:extLst>
+              <a:ext uri="{FF2B5EF4-FFF2-40B4-BE49-F238E27FC236}">
+                <a16:creationId xmlns:a16="http://schemas.microsoft.com/office/drawing/2014/main" id="{2C4A46F7-A1F5-4C14-B917-880575A0C7B6}"/>
+              </a:ext>
+            </a:extLst>
+          </p:cNvPr>
+          <p:cNvCxnSpPr>
+            <a:cxnSpLocks/>
+          </p:cNvCxnSpPr>
+          <p:nvPr/>
+        </p:nvCxnSpPr>
+        <p:spPr>
+          <a:xfrm>
+            <a:off x="5556967" y="6251164"/>
+            <a:ext cx="0" cy="506686"/>
+          </a:xfrm>
+          <a:prstGeom prst="line">
+            <a:avLst/>
+          </a:prstGeom>
+        </p:spPr>
+        <p:style>
+          <a:lnRef idx="1">
+            <a:schemeClr val="accent1"/>
+          </a:lnRef>
+          <a:fillRef idx="0">
+            <a:schemeClr val="accent1"/>
+          </a:fillRef>
+          <a:effectRef idx="0">
+            <a:schemeClr val="accent1"/>
+          </a:effectRef>
+          <a:fontRef idx="minor">
+            <a:schemeClr val="tx1"/>
+          </a:fontRef>
+        </p:style>
+      </p:cxnSp>
+      <p:cxnSp>
+        <p:nvCxnSpPr>
+          <p:cNvPr id="34" name="Conector recto 33">
+            <a:extLst>
+              <a:ext uri="{FF2B5EF4-FFF2-40B4-BE49-F238E27FC236}">
+                <a16:creationId xmlns:a16="http://schemas.microsoft.com/office/drawing/2014/main" id="{576B783B-B79E-4A4F-9D1D-61DB06CC5451}"/>
+              </a:ext>
+            </a:extLst>
+          </p:cNvPr>
+          <p:cNvCxnSpPr>
+            <a:cxnSpLocks/>
+          </p:cNvCxnSpPr>
+          <p:nvPr/>
+        </p:nvCxnSpPr>
+        <p:spPr>
+          <a:xfrm flipH="1">
+            <a:off x="5475894" y="7629344"/>
+            <a:ext cx="10506" cy="349382"/>
+          </a:xfrm>
+          <a:prstGeom prst="line">
+            <a:avLst/>
+          </a:prstGeom>
+        </p:spPr>
+        <p:style>
+          <a:lnRef idx="1">
+            <a:schemeClr val="accent1"/>
+          </a:lnRef>
+          <a:fillRef idx="0">
+            <a:schemeClr val="accent1"/>
+          </a:fillRef>
+          <a:effectRef idx="0">
+            <a:schemeClr val="accent1"/>
+          </a:effectRef>
+          <a:fontRef idx="minor">
+            <a:schemeClr val="tx1"/>
+          </a:fontRef>
+        </p:style>
+      </p:cxnSp>
+      <p:sp>
+        <p:nvSpPr>
+          <p:cNvPr id="17" name="CuadroTexto 16">
+            <a:extLst>
+              <a:ext uri="{FF2B5EF4-FFF2-40B4-BE49-F238E27FC236}">
+                <a16:creationId xmlns:a16="http://schemas.microsoft.com/office/drawing/2014/main" id="{13F343D2-8634-4B82-A4A8-5830F53B6CC3}"/>
+              </a:ext>
+            </a:extLst>
+          </p:cNvPr>
+          <p:cNvSpPr txBox="1"/>
+          <p:nvPr/>
+        </p:nvSpPr>
+        <p:spPr>
+          <a:xfrm>
+            <a:off x="1095849" y="2249542"/>
+            <a:ext cx="9783494" cy="2358915"/>
+          </a:xfrm>
+          <a:prstGeom prst="rect">
+            <a:avLst/>
+          </a:prstGeom>
+          <a:noFill/>
+        </p:spPr>
+        <p:txBody>
+          <a:bodyPr wrap="square">
+            <a:spAutoFit/>
+          </a:bodyPr>
+          <a:lstStyle/>
+          <a:p>
+            <a:pPr marL="457200" indent="-457200">
+              <a:lnSpc>
+                <a:spcPct val="107000"/>
+              </a:lnSpc>
+              <a:spcAft>
+                <a:spcPts val="800"/>
+              </a:spcAft>
+            </a:pPr>
+            <a:r>
+              <a:rPr lang="es-CO" sz="1800" dirty="0">
+                <a:effectLst/>
+                <a:latin typeface="Calibri" panose="020F0502020204030204" pitchFamily="34" charset="0"/>
+                <a:ea typeface="Calibri" panose="020F0502020204030204" pitchFamily="34" charset="0"/>
+                <a:cs typeface="Times New Roman" panose="02020603050405020304" pitchFamily="18" charset="0"/>
+              </a:rPr>
+              <a:t>Cabrera, A. F., &amp; GRABOLE, G. K. (2010). UN SISTEMA TUTORIAL INTELIGENTE PARA EL TRATAMIENTO DE LOS ERRORES GRAMATICALES DEL ESPAÑOL COMO LENGUA EXTRANJERA CON FINES ACADEMICOS1. </a:t>
+            </a:r>
+            <a:r>
+              <a:rPr lang="es-CO" sz="1800" i="1" dirty="0">
+                <a:effectLst/>
+                <a:latin typeface="Calibri" panose="020F0502020204030204" pitchFamily="34" charset="0"/>
+                <a:ea typeface="Calibri" panose="020F0502020204030204" pitchFamily="34" charset="0"/>
+                <a:cs typeface="Times New Roman" panose="02020603050405020304" pitchFamily="18" charset="0"/>
+              </a:rPr>
+              <a:t>El español en contextos </a:t>
+            </a:r>
+            <a:r>
+              <a:rPr lang="es-CO" sz="1800" i="1" dirty="0" err="1">
+                <a:effectLst/>
+                <a:latin typeface="Calibri" panose="020F0502020204030204" pitchFamily="34" charset="0"/>
+                <a:ea typeface="Calibri" panose="020F0502020204030204" pitchFamily="34" charset="0"/>
+                <a:cs typeface="Times New Roman" panose="02020603050405020304" pitchFamily="18" charset="0"/>
+              </a:rPr>
+              <a:t>especı́ficos</a:t>
+            </a:r>
+            <a:r>
+              <a:rPr lang="es-CO" sz="1800" i="1" dirty="0">
+                <a:effectLst/>
+                <a:latin typeface="Calibri" panose="020F0502020204030204" pitchFamily="34" charset="0"/>
+                <a:ea typeface="Calibri" panose="020F0502020204030204" pitchFamily="34" charset="0"/>
+                <a:cs typeface="Times New Roman" panose="02020603050405020304" pitchFamily="18" charset="0"/>
+              </a:rPr>
+              <a:t>: enseñanza e investigación</a:t>
+            </a:r>
+            <a:r>
+              <a:rPr lang="es-CO" sz="1800" dirty="0">
+                <a:effectLst/>
+                <a:latin typeface="Calibri" panose="020F0502020204030204" pitchFamily="34" charset="0"/>
+                <a:ea typeface="Calibri" panose="020F0502020204030204" pitchFamily="34" charset="0"/>
+                <a:cs typeface="Times New Roman" panose="02020603050405020304" pitchFamily="18" charset="0"/>
+              </a:rPr>
+              <a:t>, (págs. 409–436).</a:t>
+            </a:r>
+          </a:p>
+          <a:p>
+            <a:pPr marL="457200" indent="-457200">
+              <a:lnSpc>
+                <a:spcPct val="107000"/>
+              </a:lnSpc>
+              <a:spcAft>
+                <a:spcPts val="800"/>
+              </a:spcAft>
+            </a:pPr>
+            <a:r>
+              <a:rPr lang="es-CO" sz="1800" dirty="0">
+                <a:effectLst/>
+                <a:latin typeface="Calibri" panose="020F0502020204030204" pitchFamily="34" charset="0"/>
+                <a:ea typeface="Calibri" panose="020F0502020204030204" pitchFamily="34" charset="0"/>
+                <a:cs typeface="Times New Roman" panose="02020603050405020304" pitchFamily="18" charset="0"/>
+              </a:rPr>
+              <a:t>Casquero </a:t>
+            </a:r>
+            <a:r>
+              <a:rPr lang="es-CO" sz="1800" dirty="0" err="1">
+                <a:effectLst/>
+                <a:latin typeface="Calibri" panose="020F0502020204030204" pitchFamily="34" charset="0"/>
+                <a:ea typeface="Calibri" panose="020F0502020204030204" pitchFamily="34" charset="0"/>
+                <a:cs typeface="Times New Roman" panose="02020603050405020304" pitchFamily="18" charset="0"/>
+              </a:rPr>
+              <a:t>Gonzalez</a:t>
+            </a:r>
+            <a:r>
+              <a:rPr lang="es-CO" sz="1800" dirty="0">
+                <a:effectLst/>
+                <a:latin typeface="Calibri" panose="020F0502020204030204" pitchFamily="34" charset="0"/>
+                <a:ea typeface="Calibri" panose="020F0502020204030204" pitchFamily="34" charset="0"/>
+                <a:cs typeface="Times New Roman" panose="02020603050405020304" pitchFamily="18" charset="0"/>
+              </a:rPr>
+              <a:t>, A. (2016). </a:t>
+            </a:r>
+            <a:r>
+              <a:rPr lang="en-US" sz="1800" i="1" dirty="0">
+                <a:effectLst/>
+                <a:latin typeface="Calibri" panose="020F0502020204030204" pitchFamily="34" charset="0"/>
+                <a:ea typeface="Calibri" panose="020F0502020204030204" pitchFamily="34" charset="0"/>
+                <a:cs typeface="Times New Roman" panose="02020603050405020304" pitchFamily="18" charset="0"/>
+              </a:rPr>
+              <a:t>Driver Distraction Rules.</a:t>
+            </a:r>
+            <a:r>
+              <a:rPr lang="en-US" sz="1800" dirty="0">
+                <a:effectLst/>
+                <a:latin typeface="Calibri" panose="020F0502020204030204" pitchFamily="34" charset="0"/>
+                <a:ea typeface="Calibri" panose="020F0502020204030204" pitchFamily="34" charset="0"/>
+                <a:cs typeface="Times New Roman" panose="02020603050405020304" pitchFamily="18" charset="0"/>
+              </a:rPr>
+              <a:t> B.S. thesis, </a:t>
+            </a:r>
+            <a:r>
+              <a:rPr lang="en-US" sz="1800" dirty="0" err="1">
+                <a:effectLst/>
+                <a:latin typeface="Calibri" panose="020F0502020204030204" pitchFamily="34" charset="0"/>
+                <a:ea typeface="Calibri" panose="020F0502020204030204" pitchFamily="34" charset="0"/>
+                <a:cs typeface="Times New Roman" panose="02020603050405020304" pitchFamily="18" charset="0"/>
+              </a:rPr>
+              <a:t>Universitat</a:t>
+            </a:r>
+            <a:r>
+              <a:rPr lang="en-US" sz="1800" dirty="0">
+                <a:effectLst/>
+                <a:latin typeface="Calibri" panose="020F0502020204030204" pitchFamily="34" charset="0"/>
+                <a:ea typeface="Calibri" panose="020F0502020204030204" pitchFamily="34" charset="0"/>
+                <a:cs typeface="Times New Roman" panose="02020603050405020304" pitchFamily="18" charset="0"/>
+              </a:rPr>
+              <a:t> </a:t>
+            </a:r>
+            <a:r>
+              <a:rPr lang="en-US" sz="1800" dirty="0" err="1">
+                <a:effectLst/>
+                <a:latin typeface="Calibri" panose="020F0502020204030204" pitchFamily="34" charset="0"/>
+                <a:ea typeface="Calibri" panose="020F0502020204030204" pitchFamily="34" charset="0"/>
+                <a:cs typeface="Times New Roman" panose="02020603050405020304" pitchFamily="18" charset="0"/>
+              </a:rPr>
+              <a:t>Politècnica</a:t>
+            </a:r>
+            <a:r>
+              <a:rPr lang="en-US" sz="1800" dirty="0">
+                <a:effectLst/>
+                <a:latin typeface="Calibri" panose="020F0502020204030204" pitchFamily="34" charset="0"/>
+                <a:ea typeface="Calibri" panose="020F0502020204030204" pitchFamily="34" charset="0"/>
+                <a:cs typeface="Times New Roman" panose="02020603050405020304" pitchFamily="18" charset="0"/>
+              </a:rPr>
+              <a:t> de Catalunya.</a:t>
+            </a:r>
+            <a:endParaRPr lang="es-CO" sz="1800" dirty="0">
+              <a:effectLst/>
+              <a:latin typeface="Calibri" panose="020F0502020204030204" pitchFamily="34" charset="0"/>
+              <a:ea typeface="Calibri" panose="020F0502020204030204" pitchFamily="34" charset="0"/>
+              <a:cs typeface="Times New Roman" panose="02020603050405020304" pitchFamily="18" charset="0"/>
+            </a:endParaRPr>
+          </a:p>
+          <a:p>
+            <a:pPr marL="457200" indent="-457200">
+              <a:lnSpc>
+                <a:spcPct val="107000"/>
+              </a:lnSpc>
+              <a:spcAft>
+                <a:spcPts val="800"/>
+              </a:spcAft>
+            </a:pPr>
+            <a:r>
+              <a:rPr lang="en-US" sz="1800" dirty="0">
+                <a:effectLst/>
+                <a:latin typeface="Calibri" panose="020F0502020204030204" pitchFamily="34" charset="0"/>
+                <a:ea typeface="Calibri" panose="020F0502020204030204" pitchFamily="34" charset="0"/>
+                <a:cs typeface="Times New Roman" panose="02020603050405020304" pitchFamily="18" charset="0"/>
+              </a:rPr>
+              <a:t>Epstein, M. E. (1 de 2006). Method and apparatus for embedding grammars in a natural language understanding (NLU) statistical parser. </a:t>
+            </a:r>
+            <a:r>
+              <a:rPr lang="en-US" sz="1800" i="1" dirty="0">
+                <a:effectLst/>
+                <a:latin typeface="Calibri" panose="020F0502020204030204" pitchFamily="34" charset="0"/>
+                <a:ea typeface="Calibri" panose="020F0502020204030204" pitchFamily="34" charset="0"/>
+                <a:cs typeface="Times New Roman" panose="02020603050405020304" pitchFamily="18" charset="0"/>
+              </a:rPr>
+              <a:t>Method and apparatus for embedding grammars in a natural language understanding (NLU) statistical parser</a:t>
+            </a:r>
+            <a:r>
+              <a:rPr lang="en-US" sz="1800" dirty="0">
+                <a:effectLst/>
+                <a:latin typeface="Calibri" panose="020F0502020204030204" pitchFamily="34" charset="0"/>
+                <a:ea typeface="Calibri" panose="020F0502020204030204" pitchFamily="34" charset="0"/>
+                <a:cs typeface="Times New Roman" panose="02020603050405020304" pitchFamily="18" charset="0"/>
+              </a:rPr>
+              <a:t>. Google Patents.</a:t>
+            </a:r>
+            <a:endParaRPr lang="es-CO" sz="1800" dirty="0">
+              <a:effectLst/>
+              <a:latin typeface="Calibri" panose="020F0502020204030204" pitchFamily="34" charset="0"/>
+              <a:ea typeface="Calibri" panose="020F0502020204030204" pitchFamily="34" charset="0"/>
+              <a:cs typeface="Times New Roman" panose="02020603050405020304" pitchFamily="18" charset="0"/>
+            </a:endParaRPr>
+          </a:p>
+        </p:txBody>
+      </p:sp>
+      <p:sp>
+        <p:nvSpPr>
+          <p:cNvPr id="13" name="CuadroTexto 12">
+            <a:extLst>
+              <a:ext uri="{FF2B5EF4-FFF2-40B4-BE49-F238E27FC236}">
+                <a16:creationId xmlns:a16="http://schemas.microsoft.com/office/drawing/2014/main" id="{E69265A6-7019-437A-BC89-9DE87A608D91}"/>
+              </a:ext>
+            </a:extLst>
+          </p:cNvPr>
+          <p:cNvSpPr txBox="1"/>
+          <p:nvPr/>
+        </p:nvSpPr>
+        <p:spPr>
+          <a:xfrm>
+            <a:off x="4234375" y="993913"/>
+            <a:ext cx="2504212" cy="646331"/>
+          </a:xfrm>
+          <a:prstGeom prst="rect">
+            <a:avLst/>
+          </a:prstGeom>
+          <a:noFill/>
+        </p:spPr>
+        <p:txBody>
+          <a:bodyPr wrap="none" rtlCol="0">
+            <a:spAutoFit/>
+          </a:bodyPr>
+          <a:lstStyle/>
+          <a:p>
+            <a:r>
+              <a:rPr lang="es-CO" sz="3600" dirty="0">
+                <a:solidFill>
+                  <a:schemeClr val="accent2">
+                    <a:lumMod val="75000"/>
+                  </a:schemeClr>
+                </a:solidFill>
+              </a:rPr>
+              <a:t>REFERENCIA</a:t>
+            </a:r>
+          </a:p>
+        </p:txBody>
+      </p:sp>
+    </p:spTree>
+    <p:extLst>
+      <p:ext uri="{BB962C8B-B14F-4D97-AF65-F5344CB8AC3E}">
+        <p14:creationId xmlns:p14="http://schemas.microsoft.com/office/powerpoint/2010/main" val="3041100744"/>
+      </p:ext>
+    </p:extLst>
+  </p:cSld>
+  <p:clrMapOvr>
+    <a:masterClrMapping/>
+  </p:clrMapOvr>
+</p:sld>
+</file>
+
+<file path=ppt/slides/slide11.xml><?xml version="1.0" encoding="utf-8"?>
+<p:sld xmlns:a="http://schemas.openxmlformats.org/drawingml/2006/main" xmlns:r="http://schemas.openxmlformats.org/officeDocument/2006/relationships" xmlns:p="http://schemas.openxmlformats.org/presentationml/2006/main">
+  <p:cSld>
+    <p:bg>
+      <p:bgPr>
+        <a:blipFill dpi="0" rotWithShape="1">
+          <a:blip r:embed="rId2">
+            <a:lum/>
+          </a:blip>
+          <a:srcRect/>
+          <a:stretch>
+            <a:fillRect/>
+          </a:stretch>
+        </a:blipFill>
+        <a:effectLst/>
+      </p:bgPr>
+    </p:bg>
+    <p:spTree>
+      <p:nvGrpSpPr>
+        <p:cNvPr id="1" name=""/>
+        <p:cNvGrpSpPr/>
+        <p:nvPr/>
+      </p:nvGrpSpPr>
+      <p:grpSpPr>
+        <a:xfrm>
+          <a:off x="0" y="0"/>
+          <a:ext cx="0" cy="0"/>
+          <a:chOff x="0" y="0"/>
+          <a:chExt cx="0" cy="0"/>
+        </a:xfrm>
+      </p:grpSpPr>
+      <p:sp>
+        <p:nvSpPr>
+          <p:cNvPr id="15" name="CuadroTexto 14">
+            <a:extLst>
+              <a:ext uri="{FF2B5EF4-FFF2-40B4-BE49-F238E27FC236}">
+                <a16:creationId xmlns:a16="http://schemas.microsoft.com/office/drawing/2014/main" id="{A0B3D843-80EA-4FE3-9D73-771EB4F72421}"/>
+              </a:ext>
+            </a:extLst>
+          </p:cNvPr>
+          <p:cNvSpPr txBox="1"/>
+          <p:nvPr/>
+        </p:nvSpPr>
+        <p:spPr>
+          <a:xfrm>
+            <a:off x="5486400" y="993913"/>
+            <a:ext cx="184731" cy="369332"/>
+          </a:xfrm>
+          <a:prstGeom prst="rect">
+            <a:avLst/>
+          </a:prstGeom>
+          <a:noFill/>
+        </p:spPr>
+        <p:txBody>
+          <a:bodyPr wrap="none" rtlCol="0">
+            <a:spAutoFit/>
+          </a:bodyPr>
+          <a:lstStyle/>
+          <a:p>
+            <a:endParaRPr lang="es-CO" dirty="0"/>
+          </a:p>
+        </p:txBody>
+      </p:sp>
+      <p:cxnSp>
+        <p:nvCxnSpPr>
+          <p:cNvPr id="25" name="Conector recto 24">
+            <a:extLst>
+              <a:ext uri="{FF2B5EF4-FFF2-40B4-BE49-F238E27FC236}">
+                <a16:creationId xmlns:a16="http://schemas.microsoft.com/office/drawing/2014/main" id="{2C4A46F7-A1F5-4C14-B917-880575A0C7B6}"/>
+              </a:ext>
+            </a:extLst>
+          </p:cNvPr>
+          <p:cNvCxnSpPr>
+            <a:cxnSpLocks/>
+          </p:cNvCxnSpPr>
+          <p:nvPr/>
+        </p:nvCxnSpPr>
+        <p:spPr>
+          <a:xfrm>
+            <a:off x="5556967" y="6251164"/>
+            <a:ext cx="0" cy="506686"/>
+          </a:xfrm>
+          <a:prstGeom prst="line">
+            <a:avLst/>
+          </a:prstGeom>
+        </p:spPr>
+        <p:style>
+          <a:lnRef idx="1">
+            <a:schemeClr val="accent1"/>
+          </a:lnRef>
+          <a:fillRef idx="0">
+            <a:schemeClr val="accent1"/>
+          </a:fillRef>
+          <a:effectRef idx="0">
+            <a:schemeClr val="accent1"/>
+          </a:effectRef>
+          <a:fontRef idx="minor">
+            <a:schemeClr val="tx1"/>
+          </a:fontRef>
+        </p:style>
+      </p:cxnSp>
+      <p:cxnSp>
+        <p:nvCxnSpPr>
+          <p:cNvPr id="34" name="Conector recto 33">
+            <a:extLst>
+              <a:ext uri="{FF2B5EF4-FFF2-40B4-BE49-F238E27FC236}">
+                <a16:creationId xmlns:a16="http://schemas.microsoft.com/office/drawing/2014/main" id="{576B783B-B79E-4A4F-9D1D-61DB06CC5451}"/>
+              </a:ext>
+            </a:extLst>
+          </p:cNvPr>
+          <p:cNvCxnSpPr>
+            <a:cxnSpLocks/>
+          </p:cNvCxnSpPr>
+          <p:nvPr/>
+        </p:nvCxnSpPr>
+        <p:spPr>
+          <a:xfrm flipH="1">
+            <a:off x="5475894" y="7629344"/>
+            <a:ext cx="10506" cy="349382"/>
+          </a:xfrm>
+          <a:prstGeom prst="line">
+            <a:avLst/>
+          </a:prstGeom>
+        </p:spPr>
+        <p:style>
+          <a:lnRef idx="1">
+            <a:schemeClr val="accent1"/>
+          </a:lnRef>
+          <a:fillRef idx="0">
+            <a:schemeClr val="accent1"/>
+          </a:fillRef>
+          <a:effectRef idx="0">
+            <a:schemeClr val="accent1"/>
+          </a:effectRef>
+          <a:fontRef idx="minor">
+            <a:schemeClr val="tx1"/>
+          </a:fontRef>
+        </p:style>
+      </p:cxnSp>
+      <p:sp>
+        <p:nvSpPr>
+          <p:cNvPr id="17" name="CuadroTexto 16">
+            <a:extLst>
+              <a:ext uri="{FF2B5EF4-FFF2-40B4-BE49-F238E27FC236}">
+                <a16:creationId xmlns:a16="http://schemas.microsoft.com/office/drawing/2014/main" id="{13F343D2-8634-4B82-A4A8-5830F53B6CC3}"/>
+              </a:ext>
+            </a:extLst>
+          </p:cNvPr>
+          <p:cNvSpPr txBox="1"/>
+          <p:nvPr/>
+        </p:nvSpPr>
+        <p:spPr>
+          <a:xfrm>
+            <a:off x="1095849" y="2249542"/>
+            <a:ext cx="9783494" cy="3453189"/>
+          </a:xfrm>
+          <a:prstGeom prst="rect">
+            <a:avLst/>
+          </a:prstGeom>
+          <a:noFill/>
+        </p:spPr>
+        <p:txBody>
+          <a:bodyPr wrap="square">
+            <a:spAutoFit/>
+          </a:bodyPr>
+          <a:lstStyle/>
+          <a:p>
+            <a:pPr marL="457200" indent="-457200">
+              <a:lnSpc>
+                <a:spcPct val="107000"/>
+              </a:lnSpc>
+              <a:spcAft>
+                <a:spcPts val="800"/>
+              </a:spcAft>
+            </a:pPr>
+            <a:r>
+              <a:rPr lang="en-US" sz="1800" dirty="0">
+                <a:effectLst/>
+                <a:latin typeface="Calibri" panose="020F0502020204030204" pitchFamily="34" charset="0"/>
+                <a:ea typeface="Calibri" panose="020F0502020204030204" pitchFamily="34" charset="0"/>
+                <a:cs typeface="Times New Roman" panose="02020603050405020304" pitchFamily="18" charset="0"/>
+              </a:rPr>
+              <a:t>Hebert, M. (10 de 2020). Natural language understanding (NLU) processing based on user-specified interests. </a:t>
+            </a:r>
+            <a:r>
+              <a:rPr lang="en-US" sz="1800" i="1" dirty="0">
+                <a:effectLst/>
+                <a:latin typeface="Calibri" panose="020F0502020204030204" pitchFamily="34" charset="0"/>
+                <a:ea typeface="Calibri" panose="020F0502020204030204" pitchFamily="34" charset="0"/>
+                <a:cs typeface="Times New Roman" panose="02020603050405020304" pitchFamily="18" charset="0"/>
+              </a:rPr>
+              <a:t>Natural language understanding (NLU) processing based on user-specified interests</a:t>
+            </a:r>
+            <a:r>
+              <a:rPr lang="en-US" sz="1800" dirty="0">
+                <a:effectLst/>
+                <a:latin typeface="Calibri" panose="020F0502020204030204" pitchFamily="34" charset="0"/>
+                <a:ea typeface="Calibri" panose="020F0502020204030204" pitchFamily="34" charset="0"/>
+                <a:cs typeface="Times New Roman" panose="02020603050405020304" pitchFamily="18" charset="0"/>
+              </a:rPr>
+              <a:t>. Google Patents.</a:t>
+            </a:r>
+            <a:endParaRPr lang="es-CO" sz="1800" dirty="0">
+              <a:effectLst/>
+              <a:latin typeface="Calibri" panose="020F0502020204030204" pitchFamily="34" charset="0"/>
+              <a:ea typeface="Calibri" panose="020F0502020204030204" pitchFamily="34" charset="0"/>
+              <a:cs typeface="Times New Roman" panose="02020603050405020304" pitchFamily="18" charset="0"/>
+            </a:endParaRPr>
+          </a:p>
+          <a:p>
+            <a:pPr marL="457200" indent="-457200">
+              <a:lnSpc>
+                <a:spcPct val="107000"/>
+              </a:lnSpc>
+              <a:spcAft>
+                <a:spcPts val="800"/>
+              </a:spcAft>
+            </a:pPr>
+            <a:r>
+              <a:rPr lang="en-US" sz="1800" dirty="0" err="1">
+                <a:effectLst/>
+                <a:latin typeface="Calibri" panose="020F0502020204030204" pitchFamily="34" charset="0"/>
+                <a:ea typeface="Calibri" panose="020F0502020204030204" pitchFamily="34" charset="0"/>
+                <a:cs typeface="Times New Roman" panose="02020603050405020304" pitchFamily="18" charset="0"/>
+              </a:rPr>
+              <a:t>Lavi</a:t>
+            </a:r>
+            <a:r>
+              <a:rPr lang="en-US" sz="1800" dirty="0">
+                <a:effectLst/>
+                <a:latin typeface="Calibri" panose="020F0502020204030204" pitchFamily="34" charset="0"/>
+                <a:ea typeface="Calibri" panose="020F0502020204030204" pitchFamily="34" charset="0"/>
+                <a:cs typeface="Times New Roman" panose="02020603050405020304" pitchFamily="18" charset="0"/>
+              </a:rPr>
+              <a:t>, O., Auerbach, G., &amp; </a:t>
+            </a:r>
+            <a:r>
+              <a:rPr lang="en-US" sz="1800" dirty="0" err="1">
+                <a:effectLst/>
+                <a:latin typeface="Calibri" panose="020F0502020204030204" pitchFamily="34" charset="0"/>
+                <a:ea typeface="Calibri" panose="020F0502020204030204" pitchFamily="34" charset="0"/>
+                <a:cs typeface="Times New Roman" panose="02020603050405020304" pitchFamily="18" charset="0"/>
+              </a:rPr>
+              <a:t>Persky</a:t>
+            </a:r>
+            <a:r>
+              <a:rPr lang="en-US" sz="1800" dirty="0">
+                <a:effectLst/>
+                <a:latin typeface="Calibri" panose="020F0502020204030204" pitchFamily="34" charset="0"/>
+                <a:ea typeface="Calibri" panose="020F0502020204030204" pitchFamily="34" charset="0"/>
+                <a:cs typeface="Times New Roman" panose="02020603050405020304" pitchFamily="18" charset="0"/>
+              </a:rPr>
+              <a:t>, E. (11 de 2010). Dynamic natural language understanding. </a:t>
+            </a:r>
+            <a:r>
+              <a:rPr lang="en-US" sz="1800" i="1" dirty="0">
+                <a:effectLst/>
+                <a:latin typeface="Calibri" panose="020F0502020204030204" pitchFamily="34" charset="0"/>
+                <a:ea typeface="Calibri" panose="020F0502020204030204" pitchFamily="34" charset="0"/>
+                <a:cs typeface="Times New Roman" panose="02020603050405020304" pitchFamily="18" charset="0"/>
+              </a:rPr>
+              <a:t>Dynamic natural language understanding</a:t>
+            </a:r>
+            <a:r>
+              <a:rPr lang="en-US" sz="1800" dirty="0">
+                <a:effectLst/>
+                <a:latin typeface="Calibri" panose="020F0502020204030204" pitchFamily="34" charset="0"/>
+                <a:ea typeface="Calibri" panose="020F0502020204030204" pitchFamily="34" charset="0"/>
+                <a:cs typeface="Times New Roman" panose="02020603050405020304" pitchFamily="18" charset="0"/>
+              </a:rPr>
+              <a:t>. Google Patents.</a:t>
+            </a:r>
+            <a:endParaRPr lang="es-CO" sz="1800" dirty="0">
+              <a:effectLst/>
+              <a:latin typeface="Calibri" panose="020F0502020204030204" pitchFamily="34" charset="0"/>
+              <a:ea typeface="Calibri" panose="020F0502020204030204" pitchFamily="34" charset="0"/>
+              <a:cs typeface="Times New Roman" panose="02020603050405020304" pitchFamily="18" charset="0"/>
+            </a:endParaRPr>
+          </a:p>
+          <a:p>
+            <a:pPr marL="457200" indent="-457200">
+              <a:lnSpc>
+                <a:spcPct val="107000"/>
+              </a:lnSpc>
+              <a:spcAft>
+                <a:spcPts val="800"/>
+              </a:spcAft>
+            </a:pPr>
+            <a:r>
+              <a:rPr lang="en-US" sz="1800" dirty="0" err="1">
+                <a:effectLst/>
+                <a:latin typeface="Calibri" panose="020F0502020204030204" pitchFamily="34" charset="0"/>
+                <a:ea typeface="Calibri" panose="020F0502020204030204" pitchFamily="34" charset="0"/>
+                <a:cs typeface="Times New Roman" panose="02020603050405020304" pitchFamily="18" charset="0"/>
+              </a:rPr>
+              <a:t>Loatman</a:t>
+            </a:r>
+            <a:r>
+              <a:rPr lang="en-US" sz="1800" dirty="0">
+                <a:effectLst/>
+                <a:latin typeface="Calibri" panose="020F0502020204030204" pitchFamily="34" charset="0"/>
+                <a:ea typeface="Calibri" panose="020F0502020204030204" pitchFamily="34" charset="0"/>
+                <a:cs typeface="Times New Roman" panose="02020603050405020304" pitchFamily="18" charset="0"/>
+              </a:rPr>
+              <a:t>, R. B., Post, S. D., Yang, C.-k., &amp; Hermansen, J. C. (4 de 1990). Natural language understanding system. </a:t>
+            </a:r>
+            <a:r>
+              <a:rPr lang="en-US" sz="1800" i="1" dirty="0">
+                <a:effectLst/>
+                <a:latin typeface="Calibri" panose="020F0502020204030204" pitchFamily="34" charset="0"/>
+                <a:ea typeface="Calibri" panose="020F0502020204030204" pitchFamily="34" charset="0"/>
+                <a:cs typeface="Times New Roman" panose="02020603050405020304" pitchFamily="18" charset="0"/>
+              </a:rPr>
+              <a:t>Natural language understanding system</a:t>
+            </a:r>
+            <a:r>
+              <a:rPr lang="en-US" sz="1800" dirty="0">
+                <a:effectLst/>
+                <a:latin typeface="Calibri" panose="020F0502020204030204" pitchFamily="34" charset="0"/>
+                <a:ea typeface="Calibri" panose="020F0502020204030204" pitchFamily="34" charset="0"/>
+                <a:cs typeface="Times New Roman" panose="02020603050405020304" pitchFamily="18" charset="0"/>
+              </a:rPr>
+              <a:t>. Google Patents.</a:t>
+            </a:r>
+            <a:endParaRPr lang="es-CO" sz="1800" dirty="0">
+              <a:effectLst/>
+              <a:latin typeface="Calibri" panose="020F0502020204030204" pitchFamily="34" charset="0"/>
+              <a:ea typeface="Calibri" panose="020F0502020204030204" pitchFamily="34" charset="0"/>
+              <a:cs typeface="Times New Roman" panose="02020603050405020304" pitchFamily="18" charset="0"/>
+            </a:endParaRPr>
+          </a:p>
+          <a:p>
+            <a:pPr marL="457200" indent="-457200">
+              <a:lnSpc>
+                <a:spcPct val="107000"/>
+              </a:lnSpc>
+              <a:spcAft>
+                <a:spcPts val="800"/>
+              </a:spcAft>
+            </a:pPr>
+            <a:r>
+              <a:rPr lang="en-US" sz="1800" dirty="0">
+                <a:effectLst/>
+                <a:latin typeface="Calibri" panose="020F0502020204030204" pitchFamily="34" charset="0"/>
+                <a:ea typeface="Calibri" panose="020F0502020204030204" pitchFamily="34" charset="0"/>
+                <a:cs typeface="Times New Roman" panose="02020603050405020304" pitchFamily="18" charset="0"/>
+              </a:rPr>
+              <a:t>Sabah, G. (2011). Natural language understanding, Where are we going? </a:t>
+            </a:r>
+            <a:r>
+              <a:rPr lang="es-CO" sz="1800" dirty="0" err="1">
+                <a:effectLst/>
+                <a:latin typeface="Calibri" panose="020F0502020204030204" pitchFamily="34" charset="0"/>
+                <a:ea typeface="Calibri" panose="020F0502020204030204" pitchFamily="34" charset="0"/>
+                <a:cs typeface="Times New Roman" panose="02020603050405020304" pitchFamily="18" charset="0"/>
+              </a:rPr>
+              <a:t>Where</a:t>
+            </a:r>
+            <a:r>
+              <a:rPr lang="es-CO" sz="1800" dirty="0">
+                <a:effectLst/>
+                <a:latin typeface="Calibri" panose="020F0502020204030204" pitchFamily="34" charset="0"/>
+                <a:ea typeface="Calibri" panose="020F0502020204030204" pitchFamily="34" charset="0"/>
+                <a:cs typeface="Times New Roman" panose="02020603050405020304" pitchFamily="18" charset="0"/>
+              </a:rPr>
+              <a:t> </a:t>
+            </a:r>
+            <a:r>
+              <a:rPr lang="es-CO" sz="1800" dirty="0" err="1">
+                <a:effectLst/>
+                <a:latin typeface="Calibri" panose="020F0502020204030204" pitchFamily="34" charset="0"/>
+                <a:ea typeface="Calibri" panose="020F0502020204030204" pitchFamily="34" charset="0"/>
+                <a:cs typeface="Times New Roman" panose="02020603050405020304" pitchFamily="18" charset="0"/>
+              </a:rPr>
+              <a:t>could</a:t>
+            </a:r>
+            <a:r>
+              <a:rPr lang="es-CO" sz="1800" dirty="0">
+                <a:effectLst/>
+                <a:latin typeface="Calibri" panose="020F0502020204030204" pitchFamily="34" charset="0"/>
+                <a:ea typeface="Calibri" panose="020F0502020204030204" pitchFamily="34" charset="0"/>
+                <a:cs typeface="Times New Roman" panose="02020603050405020304" pitchFamily="18" charset="0"/>
+              </a:rPr>
+              <a:t> </a:t>
+            </a:r>
+            <a:r>
+              <a:rPr lang="es-CO" sz="1800" dirty="0" err="1">
+                <a:effectLst/>
+                <a:latin typeface="Calibri" panose="020F0502020204030204" pitchFamily="34" charset="0"/>
+                <a:ea typeface="Calibri" panose="020F0502020204030204" pitchFamily="34" charset="0"/>
+                <a:cs typeface="Times New Roman" panose="02020603050405020304" pitchFamily="18" charset="0"/>
+              </a:rPr>
+              <a:t>we</a:t>
+            </a:r>
+            <a:r>
+              <a:rPr lang="es-CO" sz="1800" dirty="0">
+                <a:effectLst/>
+                <a:latin typeface="Calibri" panose="020F0502020204030204" pitchFamily="34" charset="0"/>
+                <a:ea typeface="Calibri" panose="020F0502020204030204" pitchFamily="34" charset="0"/>
+                <a:cs typeface="Times New Roman" panose="02020603050405020304" pitchFamily="18" charset="0"/>
+              </a:rPr>
+              <a:t> </a:t>
+            </a:r>
+            <a:r>
+              <a:rPr lang="es-CO" sz="1800" dirty="0" err="1">
+                <a:effectLst/>
+                <a:latin typeface="Calibri" panose="020F0502020204030204" pitchFamily="34" charset="0"/>
+                <a:ea typeface="Calibri" panose="020F0502020204030204" pitchFamily="34" charset="0"/>
+                <a:cs typeface="Times New Roman" panose="02020603050405020304" pitchFamily="18" charset="0"/>
+              </a:rPr>
+              <a:t>go</a:t>
+            </a:r>
+            <a:r>
+              <a:rPr lang="es-CO" sz="1800" dirty="0">
+                <a:effectLst/>
+                <a:latin typeface="Calibri" panose="020F0502020204030204" pitchFamily="34" charset="0"/>
+                <a:ea typeface="Calibri" panose="020F0502020204030204" pitchFamily="34" charset="0"/>
+                <a:cs typeface="Times New Roman" panose="02020603050405020304" pitchFamily="18" charset="0"/>
+              </a:rPr>
+              <a:t>? </a:t>
+            </a:r>
+            <a:r>
+              <a:rPr lang="es-CO" sz="1800" i="1" dirty="0" err="1">
+                <a:effectLst/>
+                <a:latin typeface="Calibri" panose="020F0502020204030204" pitchFamily="34" charset="0"/>
+                <a:ea typeface="Calibri" panose="020F0502020204030204" pitchFamily="34" charset="0"/>
+                <a:cs typeface="Times New Roman" panose="02020603050405020304" pitchFamily="18" charset="0"/>
+              </a:rPr>
+              <a:t>The</a:t>
+            </a:r>
+            <a:r>
+              <a:rPr lang="es-CO" sz="1800" i="1" dirty="0">
+                <a:effectLst/>
+                <a:latin typeface="Calibri" panose="020F0502020204030204" pitchFamily="34" charset="0"/>
+                <a:ea typeface="Calibri" panose="020F0502020204030204" pitchFamily="34" charset="0"/>
+                <a:cs typeface="Times New Roman" panose="02020603050405020304" pitchFamily="18" charset="0"/>
+              </a:rPr>
+              <a:t> </a:t>
+            </a:r>
+            <a:r>
+              <a:rPr lang="es-CO" sz="1800" i="1" dirty="0" err="1">
+                <a:effectLst/>
+                <a:latin typeface="Calibri" panose="020F0502020204030204" pitchFamily="34" charset="0"/>
+                <a:ea typeface="Calibri" panose="020F0502020204030204" pitchFamily="34" charset="0"/>
+                <a:cs typeface="Times New Roman" panose="02020603050405020304" pitchFamily="18" charset="0"/>
+              </a:rPr>
+              <a:t>computer</a:t>
+            </a:r>
+            <a:r>
+              <a:rPr lang="es-CO" sz="1800" i="1" dirty="0">
+                <a:effectLst/>
+                <a:latin typeface="Calibri" panose="020F0502020204030204" pitchFamily="34" charset="0"/>
+                <a:ea typeface="Calibri" panose="020F0502020204030204" pitchFamily="34" charset="0"/>
+                <a:cs typeface="Times New Roman" panose="02020603050405020304" pitchFamily="18" charset="0"/>
+              </a:rPr>
+              <a:t> </a:t>
+            </a:r>
+            <a:r>
+              <a:rPr lang="es-CO" sz="1800" i="1" dirty="0" err="1">
+                <a:effectLst/>
+                <a:latin typeface="Calibri" panose="020F0502020204030204" pitchFamily="34" charset="0"/>
+                <a:ea typeface="Calibri" panose="020F0502020204030204" pitchFamily="34" charset="0"/>
+                <a:cs typeface="Times New Roman" panose="02020603050405020304" pitchFamily="18" charset="0"/>
+              </a:rPr>
+              <a:t>journal</a:t>
+            </a:r>
+            <a:r>
+              <a:rPr lang="es-CO" sz="1800" i="1" dirty="0">
+                <a:effectLst/>
+                <a:latin typeface="Calibri" panose="020F0502020204030204" pitchFamily="34" charset="0"/>
+                <a:ea typeface="Calibri" panose="020F0502020204030204" pitchFamily="34" charset="0"/>
+                <a:cs typeface="Times New Roman" panose="02020603050405020304" pitchFamily="18" charset="0"/>
+              </a:rPr>
+              <a:t>, 54</a:t>
+            </a:r>
+            <a:r>
+              <a:rPr lang="es-CO" sz="1800" dirty="0">
+                <a:effectLst/>
+                <a:latin typeface="Calibri" panose="020F0502020204030204" pitchFamily="34" charset="0"/>
+                <a:ea typeface="Calibri" panose="020F0502020204030204" pitchFamily="34" charset="0"/>
+                <a:cs typeface="Times New Roman" panose="02020603050405020304" pitchFamily="18" charset="0"/>
+              </a:rPr>
+              <a:t>, 1505–1513.</a:t>
+            </a:r>
+          </a:p>
+          <a:p>
+            <a:pPr marL="457200" indent="-457200">
+              <a:lnSpc>
+                <a:spcPct val="107000"/>
+              </a:lnSpc>
+              <a:spcAft>
+                <a:spcPts val="800"/>
+              </a:spcAft>
+            </a:pPr>
+            <a:endParaRPr lang="es-CO" sz="1800" dirty="0">
+              <a:effectLst/>
+              <a:latin typeface="Calibri" panose="020F0502020204030204" pitchFamily="34" charset="0"/>
+              <a:ea typeface="Calibri" panose="020F0502020204030204" pitchFamily="34" charset="0"/>
+              <a:cs typeface="Times New Roman" panose="02020603050405020304" pitchFamily="18" charset="0"/>
+            </a:endParaRPr>
+          </a:p>
+        </p:txBody>
+      </p:sp>
+      <p:sp>
+        <p:nvSpPr>
+          <p:cNvPr id="6" name="CuadroTexto 5">
+            <a:extLst>
+              <a:ext uri="{FF2B5EF4-FFF2-40B4-BE49-F238E27FC236}">
+                <a16:creationId xmlns:a16="http://schemas.microsoft.com/office/drawing/2014/main" id="{900CD859-DA08-4485-8EC7-1B0E13F0A97A}"/>
+              </a:ext>
+            </a:extLst>
+          </p:cNvPr>
+          <p:cNvSpPr txBox="1"/>
+          <p:nvPr/>
+        </p:nvSpPr>
+        <p:spPr>
+          <a:xfrm>
+            <a:off x="4234375" y="993913"/>
+            <a:ext cx="2504212" cy="646331"/>
+          </a:xfrm>
+          <a:prstGeom prst="rect">
+            <a:avLst/>
+          </a:prstGeom>
+          <a:noFill/>
+        </p:spPr>
+        <p:txBody>
+          <a:bodyPr wrap="none" rtlCol="0">
+            <a:spAutoFit/>
+          </a:bodyPr>
+          <a:lstStyle/>
+          <a:p>
+            <a:r>
+              <a:rPr lang="es-CO" sz="3600" dirty="0">
+                <a:solidFill>
+                  <a:schemeClr val="accent2">
+                    <a:lumMod val="75000"/>
+                  </a:schemeClr>
+                </a:solidFill>
+              </a:rPr>
+              <a:t>REFERENCIA</a:t>
+            </a:r>
+          </a:p>
+        </p:txBody>
+      </p:sp>
+    </p:spTree>
+    <p:extLst>
+      <p:ext uri="{BB962C8B-B14F-4D97-AF65-F5344CB8AC3E}">
+        <p14:creationId xmlns:p14="http://schemas.microsoft.com/office/powerpoint/2010/main" val="1795333566"/>
+      </p:ext>
+    </p:extLst>
+  </p:cSld>
+  <p:clrMapOvr>
+    <a:masterClrMapping/>
+  </p:clrMapOvr>
+</p:sld>
+</file>
+
 <file path=ppt/slides/slide2.xml><?xml version="1.0" encoding="utf-8"?>
 <p:sld xmlns:a="http://schemas.openxmlformats.org/drawingml/2006/main" xmlns:r="http://schemas.openxmlformats.org/officeDocument/2006/relationships" xmlns:p="http://schemas.openxmlformats.org/presentationml/2006/main">
   <p:cSld>
@@ -7975,50 +9162,76 @@
       </p:cxnSp>
       <p:sp>
         <p:nvSpPr>
-          <p:cNvPr id="46" name="Rectángulo 45">
-            <a:extLst>
-              <a:ext uri="{FF2B5EF4-FFF2-40B4-BE49-F238E27FC236}">
-                <a16:creationId xmlns:a16="http://schemas.microsoft.com/office/drawing/2014/main" id="{772197AC-942B-41A6-A2D9-C09F99EF1F0D}"/>
-              </a:ext>
-            </a:extLst>
-          </p:cNvPr>
-          <p:cNvSpPr/>
-          <p:nvPr/>
-        </p:nvSpPr>
-        <p:spPr>
-          <a:xfrm>
-            <a:off x="2062412" y="832340"/>
-            <a:ext cx="2801608" cy="1604565"/>
+          <p:cNvPr id="2" name="CuadroTexto 1">
+            <a:extLst>
+              <a:ext uri="{FF2B5EF4-FFF2-40B4-BE49-F238E27FC236}">
+                <a16:creationId xmlns:a16="http://schemas.microsoft.com/office/drawing/2014/main" id="{15F5BB83-F40B-4023-BA7F-F8AEEC6A2785}"/>
+              </a:ext>
+            </a:extLst>
+          </p:cNvPr>
+          <p:cNvSpPr txBox="1"/>
+          <p:nvPr/>
+        </p:nvSpPr>
+        <p:spPr>
+          <a:xfrm>
+            <a:off x="4533885" y="402825"/>
+            <a:ext cx="2996411" cy="646331"/>
           </a:xfrm>
           <a:prstGeom prst="rect">
             <a:avLst/>
           </a:prstGeom>
-        </p:spPr>
-        <p:style>
-          <a:lnRef idx="2">
-            <a:schemeClr val="accent1">
-              <a:shade val="50000"/>
-            </a:schemeClr>
-          </a:lnRef>
-          <a:fillRef idx="1">
-            <a:schemeClr val="accent1"/>
-          </a:fillRef>
-          <a:effectRef idx="0">
-            <a:schemeClr val="accent1"/>
-          </a:effectRef>
-          <a:fontRef idx="minor">
-            <a:schemeClr val="lt1"/>
-          </a:fontRef>
-        </p:style>
-        <p:txBody>
-          <a:bodyPr rtlCol="0" anchor="ctr"/>
+          <a:noFill/>
+        </p:spPr>
+        <p:txBody>
+          <a:bodyPr wrap="square" rtlCol="0">
+            <a:spAutoFit/>
+          </a:bodyPr>
           <a:lstStyle/>
           <a:p>
             <a:pPr algn="ctr"/>
-            <a:endParaRPr lang="es-CO" dirty="0"/>
-          </a:p>
-        </p:txBody>
-      </p:sp>
+            <a:r>
+              <a:rPr lang="es-CO" dirty="0"/>
+              <a:t>Funcionamiento del Algoritmo</a:t>
+            </a:r>
+          </a:p>
+        </p:txBody>
+      </p:sp>
+      <p:pic>
+        <p:nvPicPr>
+          <p:cNvPr id="7" name="Imagen 6" descr="Diagrama&#10;&#10;Descripción generada automáticamente">
+            <a:extLst>
+              <a:ext uri="{FF2B5EF4-FFF2-40B4-BE49-F238E27FC236}">
+                <a16:creationId xmlns:a16="http://schemas.microsoft.com/office/drawing/2014/main" id="{62BBA201-13C5-4E20-85F0-A0DF088C576E}"/>
+              </a:ext>
+            </a:extLst>
+          </p:cNvPr>
+          <p:cNvPicPr>
+            <a:picLocks noChangeAspect="1"/>
+          </p:cNvPicPr>
+          <p:nvPr/>
+        </p:nvPicPr>
+        <p:blipFill>
+          <a:blip r:embed="rId3">
+            <a:extLst>
+              <a:ext uri="{28A0092B-C50C-407E-A947-70E740481C1C}">
+                <a14:useLocalDpi xmlns:a14="http://schemas.microsoft.com/office/drawing/2010/main" val="0"/>
+              </a:ext>
+            </a:extLst>
+          </a:blip>
+          <a:stretch>
+            <a:fillRect/>
+          </a:stretch>
+        </p:blipFill>
+        <p:spPr>
+          <a:xfrm>
+            <a:off x="2695100" y="1228607"/>
+            <a:ext cx="6673983" cy="4486711"/>
+          </a:xfrm>
+          <a:prstGeom prst="rect">
+            <a:avLst/>
+          </a:prstGeom>
+        </p:spPr>
+      </p:pic>
     </p:spTree>
     <p:extLst>
       <p:ext uri="{BB962C8B-B14F-4D97-AF65-F5344CB8AC3E}">
